--- a/01_Basics.pptx
+++ b/01_Basics.pptx
@@ -222,7 +222,7 @@
             <a:fld id="{6837EDA8-41C8-4B24-A206-13C08A65A6D7}" type="datetimeFigureOut">
               <a:rPr lang="zh-TW" altLang="en-US" smtClean="0"/>
               <a:pPr/>
-              <a:t>2020/4/28</a:t>
+              <a:t>2021/12/8</a:t>
             </a:fld>
             <a:endParaRPr lang="zh-TW" altLang="en-US"/>
           </a:p>
@@ -675,7 +675,7 @@
             <a:fld id="{8B85509C-BD4F-47BF-9B1E-FC2E949B3621}" type="datetime1">
               <a:rPr lang="zh-TW" altLang="en-US" smtClean="0"/>
               <a:pPr/>
-              <a:t>2020/4/28</a:t>
+              <a:t>2021/12/8</a:t>
             </a:fld>
             <a:endParaRPr lang="zh-TW" altLang="en-US"/>
           </a:p>
@@ -848,7 +848,7 @@
             <a:fld id="{42251B24-F787-4C15-8A0F-7AEC20C70069}" type="datetime1">
               <a:rPr lang="zh-TW" altLang="en-US" smtClean="0"/>
               <a:pPr/>
-              <a:t>2020/4/28</a:t>
+              <a:t>2021/12/8</a:t>
             </a:fld>
             <a:endParaRPr lang="zh-TW" altLang="en-US"/>
           </a:p>
@@ -1023,7 +1023,7 @@
             <a:fld id="{9CA0D33C-CE2B-45F1-B8D4-FFD1F131F331}" type="datetime1">
               <a:rPr lang="zh-TW" altLang="en-US" smtClean="0"/>
               <a:pPr/>
-              <a:t>2020/4/28</a:t>
+              <a:t>2021/12/8</a:t>
             </a:fld>
             <a:endParaRPr lang="zh-TW" altLang="en-US"/>
           </a:p>
@@ -1188,7 +1188,7 @@
             <a:fld id="{50B99440-D9EF-40CC-9B52-F6428D9B2C76}" type="datetime1">
               <a:rPr lang="zh-TW" altLang="en-US" smtClean="0"/>
               <a:pPr/>
-              <a:t>2020/4/28</a:t>
+              <a:t>2021/12/8</a:t>
             </a:fld>
             <a:endParaRPr lang="zh-TW" altLang="en-US"/>
           </a:p>
@@ -1430,7 +1430,7 @@
             <a:fld id="{0871BF52-5C6C-4959-8E27-CECB68D39FE4}" type="datetime1">
               <a:rPr lang="zh-TW" altLang="en-US" smtClean="0"/>
               <a:pPr/>
-              <a:t>2020/4/28</a:t>
+              <a:t>2021/12/8</a:t>
             </a:fld>
             <a:endParaRPr lang="zh-TW" altLang="en-US"/>
           </a:p>
@@ -1712,7 +1712,7 @@
             <a:fld id="{DF863F05-2DD9-4EB1-A827-12FD992DE9DC}" type="datetime1">
               <a:rPr lang="zh-TW" altLang="en-US" smtClean="0"/>
               <a:pPr/>
-              <a:t>2020/4/28</a:t>
+              <a:t>2021/12/8</a:t>
             </a:fld>
             <a:endParaRPr lang="zh-TW" altLang="en-US"/>
           </a:p>
@@ -2128,7 +2128,7 @@
             <a:fld id="{6339AF51-4491-4873-A096-75DB6CE47516}" type="datetime1">
               <a:rPr lang="zh-TW" altLang="en-US" smtClean="0"/>
               <a:pPr/>
-              <a:t>2020/4/28</a:t>
+              <a:t>2021/12/8</a:t>
             </a:fld>
             <a:endParaRPr lang="zh-TW" altLang="en-US"/>
           </a:p>
@@ -2242,7 +2242,7 @@
             <a:fld id="{EE4AD9C8-8B9E-40FF-ABE2-858AC2057BBB}" type="datetime1">
               <a:rPr lang="zh-TW" altLang="en-US" smtClean="0"/>
               <a:pPr/>
-              <a:t>2020/4/28</a:t>
+              <a:t>2021/12/8</a:t>
             </a:fld>
             <a:endParaRPr lang="zh-TW" altLang="en-US"/>
           </a:p>
@@ -2334,7 +2334,7 @@
             <a:fld id="{B4784999-BBBE-4BE4-A8D0-877E7D1D66CC}" type="datetime1">
               <a:rPr lang="zh-TW" altLang="en-US" smtClean="0"/>
               <a:pPr/>
-              <a:t>2020/4/28</a:t>
+              <a:t>2021/12/8</a:t>
             </a:fld>
             <a:endParaRPr lang="zh-TW" altLang="en-US"/>
           </a:p>
@@ -2606,7 +2606,7 @@
             <a:fld id="{E88D17E6-02BD-4944-B9FE-7BFCCBF83D48}" type="datetime1">
               <a:rPr lang="zh-TW" altLang="en-US" smtClean="0"/>
               <a:pPr/>
-              <a:t>2020/4/28</a:t>
+              <a:t>2021/12/8</a:t>
             </a:fld>
             <a:endParaRPr lang="zh-TW" altLang="en-US"/>
           </a:p>
@@ -2855,7 +2855,7 @@
             <a:fld id="{3C13E23D-1FEF-4D78-A3A3-3D6F2BB31954}" type="datetime1">
               <a:rPr lang="zh-TW" altLang="en-US" smtClean="0"/>
               <a:pPr/>
-              <a:t>2020/4/28</a:t>
+              <a:t>2021/12/8</a:t>
             </a:fld>
             <a:endParaRPr lang="zh-TW" altLang="en-US"/>
           </a:p>
@@ -3063,7 +3063,7 @@
             <a:fld id="{06197F35-AD6F-4594-8B50-334492D2E7E8}" type="datetime1">
               <a:rPr lang="zh-TW" altLang="en-US" smtClean="0"/>
               <a:pPr/>
-              <a:t>2020/4/28</a:t>
+              <a:t>2021/12/8</a:t>
             </a:fld>
             <a:endParaRPr lang="zh-TW" altLang="en-US"/>
           </a:p>
@@ -3524,7 +3524,7 @@
             <a:fld id="{C389EDC9-19E3-47AC-9C57-C6A24DEA81AD}" type="datetime1">
               <a:rPr lang="zh-TW" altLang="en-US" smtClean="0"/>
               <a:pPr/>
-              <a:t>2020/4/28</a:t>
+              <a:t>2021/12/8</a:t>
             </a:fld>
             <a:endParaRPr lang="zh-TW" altLang="en-US"/>
           </a:p>
@@ -3815,7 +3815,7 @@
             <a:fld id="{A4F910E6-8D00-4BAF-8C48-9688E0B449D3}" type="datetime1">
               <a:rPr lang="zh-TW" altLang="en-US" smtClean="0"/>
               <a:pPr/>
-              <a:t>2020/4/28</a:t>
+              <a:t>2021/12/8</a:t>
             </a:fld>
             <a:endParaRPr lang="zh-TW" altLang="en-US"/>
           </a:p>
@@ -4134,7 +4134,7 @@
             <a:fld id="{A4F910E6-8D00-4BAF-8C48-9688E0B449D3}" type="datetime1">
               <a:rPr lang="zh-TW" altLang="en-US" smtClean="0"/>
               <a:pPr/>
-              <a:t>2020/4/28</a:t>
+              <a:t>2021/12/8</a:t>
             </a:fld>
             <a:endParaRPr lang="zh-TW" altLang="en-US"/>
           </a:p>
@@ -4552,7 +4552,7 @@
             <a:fld id="{A4F910E6-8D00-4BAF-8C48-9688E0B449D3}" type="datetime1">
               <a:rPr lang="zh-TW" altLang="en-US" smtClean="0"/>
               <a:pPr/>
-              <a:t>2020/4/28</a:t>
+              <a:t>2021/12/8</a:t>
             </a:fld>
             <a:endParaRPr lang="zh-TW" altLang="en-US"/>
           </a:p>
@@ -4875,7 +4875,7 @@
             <a:fld id="{A4F910E6-8D00-4BAF-8C48-9688E0B449D3}" type="datetime1">
               <a:rPr lang="zh-TW" altLang="en-US" smtClean="0"/>
               <a:pPr/>
-              <a:t>2020/4/28</a:t>
+              <a:t>2021/12/8</a:t>
             </a:fld>
             <a:endParaRPr lang="zh-TW" altLang="en-US"/>
           </a:p>
@@ -5108,7 +5108,7 @@
                   <a:srgbClr val="FFFF00"/>
                 </a:solidFill>
               </a:rPr>
-              <a:t>End of Chapter</a:t>
+              <a:t>End</a:t>
             </a:r>
             <a:endParaRPr lang="zh-TW" altLang="en-US" sz="6000" b="1" dirty="0">
               <a:solidFill>
@@ -5136,7 +5136,7 @@
             <a:fld id="{4E46BE27-E923-4EC2-B046-3272AE2A3E5C}" type="datetime1">
               <a:rPr lang="zh-TW" altLang="en-US" smtClean="0"/>
               <a:pPr/>
-              <a:t>2020/4/28</a:t>
+              <a:t>2021/12/8</a:t>
             </a:fld>
             <a:endParaRPr lang="zh-TW" altLang="en-US"/>
           </a:p>
@@ -5451,7 +5451,7 @@
             <a:fld id="{A4F910E6-8D00-4BAF-8C48-9688E0B449D3}" type="datetime1">
               <a:rPr lang="zh-TW" altLang="en-US" smtClean="0"/>
               <a:pPr/>
-              <a:t>2020/4/28</a:t>
+              <a:t>2021/12/8</a:t>
             </a:fld>
             <a:endParaRPr lang="zh-TW" altLang="en-US"/>
           </a:p>
@@ -6043,7 +6043,7 @@
             <a:fld id="{A4F910E6-8D00-4BAF-8C48-9688E0B449D3}" type="datetime1">
               <a:rPr lang="zh-TW" altLang="en-US" smtClean="0"/>
               <a:pPr/>
-              <a:t>2020/4/28</a:t>
+              <a:t>2021/12/8</a:t>
             </a:fld>
             <a:endParaRPr lang="zh-TW" altLang="en-US"/>
           </a:p>
@@ -6383,7 +6383,7 @@
             <a:fld id="{A4F910E6-8D00-4BAF-8C48-9688E0B449D3}" type="datetime1">
               <a:rPr lang="zh-TW" altLang="en-US" smtClean="0"/>
               <a:pPr/>
-              <a:t>2020/4/28</a:t>
+              <a:t>2021/12/8</a:t>
             </a:fld>
             <a:endParaRPr lang="zh-TW" altLang="en-US"/>
           </a:p>
@@ -6718,7 +6718,7 @@
             <a:fld id="{A4F910E6-8D00-4BAF-8C48-9688E0B449D3}" type="datetime1">
               <a:rPr lang="zh-TW" altLang="en-US" smtClean="0"/>
               <a:pPr/>
-              <a:t>2020/4/28</a:t>
+              <a:t>2021/12/8</a:t>
             </a:fld>
             <a:endParaRPr lang="zh-TW" altLang="en-US"/>
           </a:p>
@@ -7081,7 +7081,7 @@
             <a:fld id="{A4F910E6-8D00-4BAF-8C48-9688E0B449D3}" type="datetime1">
               <a:rPr lang="zh-TW" altLang="en-US" smtClean="0"/>
               <a:pPr/>
-              <a:t>2020/4/28</a:t>
+              <a:t>2021/12/8</a:t>
             </a:fld>
             <a:endParaRPr lang="zh-TW" altLang="en-US"/>
           </a:p>
@@ -7300,23 +7300,7 @@
                   <a:schemeClr val="tx1"/>
                 </a:solidFill>
               </a:rPr>
-              <a:t>When we move the furniture from one place to another place, we have the </a:t>
-            </a:r>
-            <a:r>
-              <a:rPr lang="en-US" altLang="zh-TW" sz="1800" dirty="0" err="1">
-                <a:solidFill>
-                  <a:schemeClr val="tx1"/>
-                </a:solidFill>
-              </a:rPr>
-              <a:t>sem</a:t>
-            </a:r>
-            <a:r>
-              <a:rPr lang="en-US" altLang="zh-TW" sz="1800" dirty="0">
-                <a:solidFill>
-                  <a:schemeClr val="tx1"/>
-                </a:solidFill>
-              </a:rPr>
-              <a:t> problem.</a:t>
+              <a:t>When we move the furniture from one place to another place, we have the same problem.</a:t>
             </a:r>
           </a:p>
           <a:p>
@@ -7334,7 +7318,7 @@
                   <a:schemeClr val="tx1"/>
                 </a:solidFill>
               </a:rPr>
-              <a:t>We have fioriture on the left and shipping </a:t>
+              <a:t>We have furniture on the left and shipping </a:t>
             </a:r>
             <a:r>
               <a:rPr lang="en-US" altLang="zh-TW" sz="1800" dirty="0" err="1">
@@ -7455,7 +7439,7 @@
             <a:fld id="{A4F910E6-8D00-4BAF-8C48-9688E0B449D3}" type="datetime1">
               <a:rPr lang="zh-TW" altLang="en-US" smtClean="0"/>
               <a:pPr/>
-              <a:t>2020/4/28</a:t>
+              <a:t>2021/12/8</a:t>
             </a:fld>
             <a:endParaRPr lang="zh-TW" altLang="en-US"/>
           </a:p>
@@ -7756,7 +7740,7 @@
             <a:fld id="{A4F910E6-8D00-4BAF-8C48-9688E0B449D3}" type="datetime1">
               <a:rPr lang="zh-TW" altLang="en-US" smtClean="0"/>
               <a:pPr/>
-              <a:t>2020/4/28</a:t>
+              <a:t>2021/12/8</a:t>
             </a:fld>
             <a:endParaRPr lang="zh-TW" altLang="en-US"/>
           </a:p>
@@ -8059,7 +8043,7 @@
                   <a:schemeClr val="tx1"/>
                 </a:solidFill>
               </a:rPr>
-              <a:t>For example, if you are the furniture manufacture, you need to packaging your furniture into the standard way int the container.  You are not worry about the ship through the air, water, who will ship, and etc.</a:t>
+              <a:t>For example, if you are the furniture manufacture, you need to packaging your furniture into the standard way int the container.  You are not worried about the ship through the air, water, who will ship, and etc.</a:t>
             </a:r>
           </a:p>
         </p:txBody>
@@ -8159,7 +8143,7 @@
             <a:fld id="{A4F910E6-8D00-4BAF-8C48-9688E0B449D3}" type="datetime1">
               <a:rPr lang="zh-TW" altLang="en-US" smtClean="0"/>
               <a:pPr/>
-              <a:t>2020/4/28</a:t>
+              <a:t>2021/12/8</a:t>
             </a:fld>
             <a:endParaRPr lang="zh-TW" altLang="en-US"/>
           </a:p>
